--- a/student_spending_habis[1].pptx
+++ b/student_spending_habis[1].pptx
@@ -4537,7 +4537,19 @@
                 <a:latin typeface="Arial"/>
                 <a:cs typeface="Arial"/>
               </a:rPr>
-              <a:t>College name :Jayaram </a:t>
+              <a:t>College name :</a:t>
+            </a:r>
+            <a:r>
+              <a:rPr lang="en-US" sz="2000" b="1">
+                <a:solidFill>
+                  <a:schemeClr val="accent1">
+                    <a:lumMod val="75000"/>
+                  </a:schemeClr>
+                </a:solidFill>
+                <a:latin typeface="Arial"/>
+                <a:cs typeface="Arial"/>
+              </a:rPr>
+              <a:t>Jayaraj </a:t>
             </a:r>
             <a:r>
               <a:rPr lang="en-US" sz="2000" b="1" dirty="0" err="1">
@@ -4578,29 +4590,8 @@
                 <a:latin typeface="Arial"/>
                 <a:cs typeface="Arial"/>
               </a:rPr>
-              <a:t>Department : </a:t>
-            </a:r>
-            <a:r>
-              <a:rPr lang="en-US" sz="2000" b="1">
-                <a:solidFill>
-                  <a:schemeClr val="accent1">
-                    <a:lumMod val="75000"/>
-                  </a:schemeClr>
-                </a:solidFill>
-                <a:latin typeface="Arial"/>
-                <a:cs typeface="Arial"/>
-              </a:rPr>
-              <a:t>Mechanical engineering</a:t>
-            </a:r>
-            <a:endParaRPr lang="en-US" sz="2000" b="1" dirty="0">
-              <a:solidFill>
-                <a:schemeClr val="accent1">
-                  <a:lumMod val="75000"/>
-                </a:schemeClr>
-              </a:solidFill>
-              <a:latin typeface="Arial"/>
-              <a:cs typeface="Arial"/>
-            </a:endParaRPr>
+              <a:t>Department : Mechanical engineering</a:t>
+            </a:r>
           </a:p>
         </p:txBody>
       </p:sp>
@@ -7678,6 +7669,15 @@
 </file>
 
 <file path=customXml/item1.xml><?xml version="1.0" encoding="utf-8"?>
+<p:properties xmlns:p="http://schemas.microsoft.com/office/2006/metadata/properties" xmlns:xsi="http://www.w3.org/2001/XMLSchema-instance" xmlns:pc="http://schemas.microsoft.com/office/infopath/2007/PartnerControls">
+  <documentManagement>
+    <MediaServiceKeyPoints xmlns="9162bd5b-4ed9-4da3-b376-05204580ba3f" xsi:nil="true"/>
+    <_activity xmlns="9162bd5b-4ed9-4da3-b376-05204580ba3f" xsi:nil="true"/>
+  </documentManagement>
+</p:properties>
+</file>
+
+<file path=customXml/item2.xml><?xml version="1.0" encoding="utf-8"?>
 <ct:contentTypeSchema xmlns:ct="http://schemas.microsoft.com/office/2006/metadata/contentType" xmlns:ma="http://schemas.microsoft.com/office/2006/metadata/properties/metaAttributes" ct:_="" ma:_="" ma:contentTypeName="Document" ma:contentTypeID="0x0101000F1872188ABCFC48BECA6C87E8AC3285" ma:contentTypeVersion="17" ma:contentTypeDescription="Create a new document." ma:contentTypeScope="" ma:versionID="55a158675e089c6a85ab0f83b89e1a15">
   <xsd:schema xmlns:xsd="http://www.w3.org/2001/XMLSchema" xmlns:xs="http://www.w3.org/2001/XMLSchema" xmlns:p="http://schemas.microsoft.com/office/2006/metadata/properties" xmlns:ns3="9162bd5b-4ed9-4da3-b376-05204580ba3f" xmlns:ns4="c0fa2617-96bd-425d-8578-e93563fe37c5" targetNamespace="http://schemas.microsoft.com/office/2006/metadata/properties" ma:root="true" ma:fieldsID="b35f082308864fa161c4a0a9eca35eff" ns3:_="" ns4:_="">
     <xsd:import namespace="9162bd5b-4ed9-4da3-b376-05204580ba3f"/>
@@ -7924,15 +7924,6 @@
 </ct:contentTypeSchema>
 </file>
 
-<file path=customXml/item2.xml><?xml version="1.0" encoding="utf-8"?>
-<p:properties xmlns:p="http://schemas.microsoft.com/office/2006/metadata/properties" xmlns:xsi="http://www.w3.org/2001/XMLSchema-instance" xmlns:pc="http://schemas.microsoft.com/office/infopath/2007/PartnerControls">
-  <documentManagement>
-    <MediaServiceKeyPoints xmlns="9162bd5b-4ed9-4da3-b376-05204580ba3f" xsi:nil="true"/>
-    <_activity xmlns="9162bd5b-4ed9-4da3-b376-05204580ba3f" xsi:nil="true"/>
-  </documentManagement>
-</p:properties>
-</file>
-
 <file path=customXml/item3.xml><?xml version="1.0" encoding="utf-8"?>
 <?mso-contentType ?>
 <FormTemplates xmlns="http://schemas.microsoft.com/sharepoint/v3/contenttype/forms">
@@ -7943,6 +7934,23 @@
 </file>
 
 <file path=customXml/itemProps1.xml><?xml version="1.0" encoding="utf-8"?>
+<ds:datastoreItem xmlns:ds="http://schemas.openxmlformats.org/officeDocument/2006/customXml" ds:itemID="{8D289AE2-D2AE-49D1-AFAC-3A79F6794255}">
+  <ds:schemaRefs>
+    <ds:schemaRef ds:uri="9162bd5b-4ed9-4da3-b376-05204580ba3f"/>
+    <ds:schemaRef ds:uri="c0fa2617-96bd-425d-8578-e93563fe37c5"/>
+    <ds:schemaRef ds:uri="http://purl.org/dc/dcmitype/"/>
+    <ds:schemaRef ds:uri="http://purl.org/dc/elements/1.1/"/>
+    <ds:schemaRef ds:uri="http://purl.org/dc/terms/"/>
+    <ds:schemaRef ds:uri="http://schemas.microsoft.com/office/2006/documentManagement/types"/>
+    <ds:schemaRef ds:uri="http://schemas.microsoft.com/office/2006/metadata/properties"/>
+    <ds:schemaRef ds:uri="http://schemas.microsoft.com/office/infopath/2007/PartnerControls"/>
+    <ds:schemaRef ds:uri="http://schemas.openxmlformats.org/package/2006/metadata/core-properties"/>
+    <ds:schemaRef ds:uri="http://www.w3.org/XML/1998/namespace"/>
+  </ds:schemaRefs>
+</ds:datastoreItem>
+</file>
+
+<file path=customXml/itemProps2.xml><?xml version="1.0" encoding="utf-8"?>
 <ds:datastoreItem xmlns:ds="http://schemas.openxmlformats.org/officeDocument/2006/customXml" ds:itemID="{6E816721-11E4-4989-8472-AB5A7EC20404}">
   <ds:schemaRefs>
     <ds:schemaRef ds:uri="9162bd5b-4ed9-4da3-b376-05204580ba3f"/>
@@ -7961,23 +7969,6 @@
 </ds:datastoreItem>
 </file>
 
-<file path=customXml/itemProps2.xml><?xml version="1.0" encoding="utf-8"?>
-<ds:datastoreItem xmlns:ds="http://schemas.openxmlformats.org/officeDocument/2006/customXml" ds:itemID="{8D289AE2-D2AE-49D1-AFAC-3A79F6794255}">
-  <ds:schemaRefs>
-    <ds:schemaRef ds:uri="9162bd5b-4ed9-4da3-b376-05204580ba3f"/>
-    <ds:schemaRef ds:uri="c0fa2617-96bd-425d-8578-e93563fe37c5"/>
-    <ds:schemaRef ds:uri="http://purl.org/dc/dcmitype/"/>
-    <ds:schemaRef ds:uri="http://purl.org/dc/elements/1.1/"/>
-    <ds:schemaRef ds:uri="http://purl.org/dc/terms/"/>
-    <ds:schemaRef ds:uri="http://schemas.microsoft.com/office/2006/documentManagement/types"/>
-    <ds:schemaRef ds:uri="http://schemas.microsoft.com/office/2006/metadata/properties"/>
-    <ds:schemaRef ds:uri="http://schemas.microsoft.com/office/infopath/2007/PartnerControls"/>
-    <ds:schemaRef ds:uri="http://schemas.openxmlformats.org/package/2006/metadata/core-properties"/>
-    <ds:schemaRef ds:uri="http://www.w3.org/XML/1998/namespace"/>
-  </ds:schemaRefs>
-</ds:datastoreItem>
-</file>
-
 <file path=customXml/itemProps3.xml><?xml version="1.0" encoding="utf-8"?>
 <ds:datastoreItem xmlns:ds="http://schemas.openxmlformats.org/officeDocument/2006/customXml" ds:itemID="{927BD4C1-B6B1-4715-ABF9-E660A51A4EA0}">
   <ds:schemaRefs>
